--- a/reference_images.pptx
+++ b/reference_images.pptx
@@ -6,10 +6,11 @@
   </p:sldMasterIdLst>
   <p:sldIdLst>
     <p:sldId id="256" r:id="rId2"/>
-    <p:sldId id="259" r:id="rId3"/>
-    <p:sldId id="258" r:id="rId4"/>
-    <p:sldId id="261" r:id="rId5"/>
+    <p:sldId id="263" r:id="rId3"/>
+    <p:sldId id="259" r:id="rId4"/>
+    <p:sldId id="258" r:id="rId5"/>
     <p:sldId id="262" r:id="rId6"/>
+    <p:sldId id="261" r:id="rId7"/>
   </p:sldIdLst>
   <p:sldSz cx="12192000" cy="6858000"/>
   <p:notesSz cx="6858000" cy="9144000"/>
@@ -108,6 +109,11 @@
       </a:defRPr>
     </a:lvl9pPr>
   </p:defaultTextStyle>
+  <p:extLst>
+    <p:ext uri="{EFAFB233-063F-42B5-8137-9DF3F51BA10A}">
+      <p15:sldGuideLst xmlns:p15="http://schemas.microsoft.com/office/powerpoint/2012/main"/>
+    </p:ext>
+  </p:extLst>
 </p:presentation>
 </file>
 
@@ -260,7 +266,7 @@
           <a:p>
             <a:fld id="{6F286FCA-8772-43F2-B3FF-6C697E833BC5}" type="datetimeFigureOut">
               <a:rPr lang="en-AU" smtClean="0"/>
-              <a:t>28/11/2025</a:t>
+              <a:t>1/12/2025</a:t>
             </a:fld>
             <a:endParaRPr lang="en-AU"/>
           </a:p>
@@ -460,7 +466,7 @@
           <a:p>
             <a:fld id="{6F286FCA-8772-43F2-B3FF-6C697E833BC5}" type="datetimeFigureOut">
               <a:rPr lang="en-AU" smtClean="0"/>
-              <a:t>28/11/2025</a:t>
+              <a:t>1/12/2025</a:t>
             </a:fld>
             <a:endParaRPr lang="en-AU"/>
           </a:p>
@@ -670,7 +676,7 @@
           <a:p>
             <a:fld id="{6F286FCA-8772-43F2-B3FF-6C697E833BC5}" type="datetimeFigureOut">
               <a:rPr lang="en-AU" smtClean="0"/>
-              <a:t>28/11/2025</a:t>
+              <a:t>1/12/2025</a:t>
             </a:fld>
             <a:endParaRPr lang="en-AU"/>
           </a:p>
@@ -870,7 +876,7 @@
           <a:p>
             <a:fld id="{6F286FCA-8772-43F2-B3FF-6C697E833BC5}" type="datetimeFigureOut">
               <a:rPr lang="en-AU" smtClean="0"/>
-              <a:t>28/11/2025</a:t>
+              <a:t>1/12/2025</a:t>
             </a:fld>
             <a:endParaRPr lang="en-AU"/>
           </a:p>
@@ -1146,7 +1152,7 @@
           <a:p>
             <a:fld id="{6F286FCA-8772-43F2-B3FF-6C697E833BC5}" type="datetimeFigureOut">
               <a:rPr lang="en-AU" smtClean="0"/>
-              <a:t>28/11/2025</a:t>
+              <a:t>1/12/2025</a:t>
             </a:fld>
             <a:endParaRPr lang="en-AU"/>
           </a:p>
@@ -1414,7 +1420,7 @@
           <a:p>
             <a:fld id="{6F286FCA-8772-43F2-B3FF-6C697E833BC5}" type="datetimeFigureOut">
               <a:rPr lang="en-AU" smtClean="0"/>
-              <a:t>28/11/2025</a:t>
+              <a:t>1/12/2025</a:t>
             </a:fld>
             <a:endParaRPr lang="en-AU"/>
           </a:p>
@@ -1829,7 +1835,7 @@
           <a:p>
             <a:fld id="{6F286FCA-8772-43F2-B3FF-6C697E833BC5}" type="datetimeFigureOut">
               <a:rPr lang="en-AU" smtClean="0"/>
-              <a:t>28/11/2025</a:t>
+              <a:t>1/12/2025</a:t>
             </a:fld>
             <a:endParaRPr lang="en-AU"/>
           </a:p>
@@ -1971,7 +1977,7 @@
           <a:p>
             <a:fld id="{6F286FCA-8772-43F2-B3FF-6C697E833BC5}" type="datetimeFigureOut">
               <a:rPr lang="en-AU" smtClean="0"/>
-              <a:t>28/11/2025</a:t>
+              <a:t>1/12/2025</a:t>
             </a:fld>
             <a:endParaRPr lang="en-AU"/>
           </a:p>
@@ -2084,7 +2090,7 @@
           <a:p>
             <a:fld id="{6F286FCA-8772-43F2-B3FF-6C697E833BC5}" type="datetimeFigureOut">
               <a:rPr lang="en-AU" smtClean="0"/>
-              <a:t>28/11/2025</a:t>
+              <a:t>1/12/2025</a:t>
             </a:fld>
             <a:endParaRPr lang="en-AU"/>
           </a:p>
@@ -2397,7 +2403,7 @@
           <a:p>
             <a:fld id="{6F286FCA-8772-43F2-B3FF-6C697E833BC5}" type="datetimeFigureOut">
               <a:rPr lang="en-AU" smtClean="0"/>
-              <a:t>28/11/2025</a:t>
+              <a:t>1/12/2025</a:t>
             </a:fld>
             <a:endParaRPr lang="en-AU"/>
           </a:p>
@@ -2686,7 +2692,7 @@
           <a:p>
             <a:fld id="{6F286FCA-8772-43F2-B3FF-6C697E833BC5}" type="datetimeFigureOut">
               <a:rPr lang="en-AU" smtClean="0"/>
-              <a:t>28/11/2025</a:t>
+              <a:t>1/12/2025</a:t>
             </a:fld>
             <a:endParaRPr lang="en-AU"/>
           </a:p>
@@ -2929,7 +2935,7 @@
           <a:p>
             <a:fld id="{6F286FCA-8772-43F2-B3FF-6C697E833BC5}" type="datetimeFigureOut">
               <a:rPr lang="en-AU" smtClean="0"/>
-              <a:t>28/11/2025</a:t>
+              <a:t>1/12/2025</a:t>
             </a:fld>
             <a:endParaRPr lang="en-AU"/>
           </a:p>
@@ -3346,233 +3352,285 @@
           <a:chExt cx="0" cy="0"/>
         </a:xfrm>
       </p:grpSpPr>
-      <p:sp>
-        <p:nvSpPr>
-          <p:cNvPr id="4" name="Rectangle 3">
-            <a:extLst>
-              <a:ext uri="{FF2B5EF4-FFF2-40B4-BE49-F238E27FC236}">
-                <a16:creationId xmlns:a16="http://schemas.microsoft.com/office/drawing/2014/main" id="{F92172EC-7658-6164-991A-AEC94E373718}"/>
-              </a:ext>
-            </a:extLst>
-          </p:cNvPr>
-          <p:cNvSpPr/>
+      <p:grpSp>
+        <p:nvGrpSpPr>
+          <p:cNvPr id="2" name="Group 1">
+            <a:extLst>
+              <a:ext uri="{FF2B5EF4-FFF2-40B4-BE49-F238E27FC236}">
+                <a16:creationId xmlns:a16="http://schemas.microsoft.com/office/drawing/2014/main" id="{67B6DFF6-1870-841B-2400-06EB54D78A72}"/>
+              </a:ext>
+            </a:extLst>
+          </p:cNvPr>
+          <p:cNvGrpSpPr/>
           <p:nvPr/>
-        </p:nvSpPr>
-        <p:spPr>
+        </p:nvGrpSpPr>
+        <p:grpSpPr>
           <a:xfrm>
             <a:off x="1271016" y="667512"/>
-            <a:ext cx="4718304" cy="5577840"/>
+            <a:ext cx="9603519" cy="5577840"/>
+            <a:chOff x="1271016" y="667512"/>
+            <a:chExt cx="9603519" cy="5577840"/>
           </a:xfrm>
-          <a:prstGeom prst="rect">
-            <a:avLst/>
-          </a:prstGeom>
-          <a:solidFill>
-            <a:srgbClr val="404040">
-              <a:alpha val="50196"/>
-            </a:srgbClr>
-          </a:solidFill>
-          <a:ln>
+        </p:grpSpPr>
+        <p:sp>
+          <p:nvSpPr>
+            <p:cNvPr id="4" name="Rectangle 3">
+              <a:extLst>
+                <a:ext uri="{FF2B5EF4-FFF2-40B4-BE49-F238E27FC236}">
+                  <a16:creationId xmlns:a16="http://schemas.microsoft.com/office/drawing/2014/main" id="{F92172EC-7658-6164-991A-AEC94E373718}"/>
+                </a:ext>
+              </a:extLst>
+            </p:cNvPr>
+            <p:cNvSpPr/>
+            <p:nvPr/>
+          </p:nvSpPr>
+          <p:spPr>
+            <a:xfrm>
+              <a:off x="1271016" y="667512"/>
+              <a:ext cx="4718304" cy="5577840"/>
+            </a:xfrm>
+            <a:prstGeom prst="rect">
+              <a:avLst/>
+            </a:prstGeom>
             <a:solidFill>
-              <a:schemeClr val="tx1">
-                <a:lumMod val="75000"/>
-                <a:lumOff val="25000"/>
+              <a:srgbClr val="404040">
+                <a:alpha val="50196"/>
+              </a:srgbClr>
+            </a:solidFill>
+            <a:ln>
+              <a:solidFill>
+                <a:schemeClr val="tx1">
+                  <a:lumMod val="75000"/>
+                  <a:lumOff val="25000"/>
+                </a:schemeClr>
+              </a:solidFill>
+            </a:ln>
+          </p:spPr>
+          <p:style>
+            <a:lnRef idx="2">
+              <a:schemeClr val="accent1">
+                <a:shade val="15000"/>
               </a:schemeClr>
+            </a:lnRef>
+            <a:fillRef idx="1">
+              <a:schemeClr val="accent1"/>
+            </a:fillRef>
+            <a:effectRef idx="0">
+              <a:schemeClr val="accent1"/>
+            </a:effectRef>
+            <a:fontRef idx="minor">
+              <a:schemeClr val="lt1"/>
+            </a:fontRef>
+          </p:style>
+          <p:txBody>
+            <a:bodyPr rtlCol="0" anchor="ctr"/>
+            <a:lstStyle/>
+            <a:p>
+              <a:pPr algn="ctr"/>
+              <a:r>
+                <a:rPr lang="en-AU" dirty="0">
+                  <a:solidFill>
+                    <a:schemeClr val="tx1">
+                      <a:lumMod val="75000"/>
+                      <a:lumOff val="25000"/>
+                    </a:schemeClr>
+                  </a:solidFill>
+                </a:rPr>
+                <a:t>Master Spreadsheet</a:t>
+              </a:r>
+            </a:p>
+          </p:txBody>
+        </p:sp>
+        <p:sp>
+          <p:nvSpPr>
+            <p:cNvPr id="5" name="Rectangle 4">
+              <a:extLst>
+                <a:ext uri="{FF2B5EF4-FFF2-40B4-BE49-F238E27FC236}">
+                  <a16:creationId xmlns:a16="http://schemas.microsoft.com/office/drawing/2014/main" id="{A93B7F72-573F-90EF-9F00-8818B647AFAA}"/>
+                </a:ext>
+              </a:extLst>
+            </p:cNvPr>
+            <p:cNvSpPr/>
+            <p:nvPr/>
+          </p:nvSpPr>
+          <p:spPr>
+            <a:xfrm>
+              <a:off x="6202682" y="667512"/>
+              <a:ext cx="1776984" cy="2188464"/>
+            </a:xfrm>
+            <a:prstGeom prst="rect">
+              <a:avLst/>
+            </a:prstGeom>
+            <a:solidFill>
+              <a:srgbClr val="FFC000">
+                <a:alpha val="50196"/>
+              </a:srgbClr>
             </a:solidFill>
-          </a:ln>
-        </p:spPr>
-        <p:style>
-          <a:lnRef idx="2">
-            <a:schemeClr val="accent1">
-              <a:shade val="15000"/>
-            </a:schemeClr>
-          </a:lnRef>
-          <a:fillRef idx="1">
-            <a:schemeClr val="accent1"/>
-          </a:fillRef>
-          <a:effectRef idx="0">
-            <a:schemeClr val="accent1"/>
-          </a:effectRef>
-          <a:fontRef idx="minor">
-            <a:schemeClr val="lt1"/>
-          </a:fontRef>
-        </p:style>
-        <p:txBody>
-          <a:bodyPr rtlCol="0" anchor="ctr"/>
-          <a:lstStyle/>
-          <a:p>
-            <a:pPr algn="ctr"/>
-            <a:endParaRPr lang="en-AU"/>
-          </a:p>
-        </p:txBody>
-      </p:sp>
-      <p:sp>
-        <p:nvSpPr>
-          <p:cNvPr id="5" name="Rectangle 4">
-            <a:extLst>
-              <a:ext uri="{FF2B5EF4-FFF2-40B4-BE49-F238E27FC236}">
-                <a16:creationId xmlns:a16="http://schemas.microsoft.com/office/drawing/2014/main" id="{A93B7F72-573F-90EF-9F00-8818B647AFAA}"/>
-              </a:ext>
-            </a:extLst>
-          </p:cNvPr>
-          <p:cNvSpPr/>
-          <p:nvPr/>
-        </p:nvSpPr>
-        <p:spPr>
-          <a:xfrm>
-            <a:off x="1271016" y="797052"/>
-            <a:ext cx="1776984" cy="2188464"/>
-          </a:xfrm>
-          <a:prstGeom prst="rect">
-            <a:avLst/>
-          </a:prstGeom>
-          <a:solidFill>
-            <a:srgbClr val="FFC000">
-              <a:alpha val="50196"/>
-            </a:srgbClr>
-          </a:solidFill>
-          <a:ln>
+            <a:ln>
+              <a:solidFill>
+                <a:srgbClr val="FFC000"/>
+              </a:solidFill>
+            </a:ln>
+          </p:spPr>
+          <p:style>
+            <a:lnRef idx="2">
+              <a:schemeClr val="accent1">
+                <a:shade val="15000"/>
+              </a:schemeClr>
+            </a:lnRef>
+            <a:fillRef idx="1">
+              <a:schemeClr val="accent1"/>
+            </a:fillRef>
+            <a:effectRef idx="0">
+              <a:schemeClr val="accent1"/>
+            </a:effectRef>
+            <a:fontRef idx="minor">
+              <a:schemeClr val="lt1"/>
+            </a:fontRef>
+          </p:style>
+          <p:txBody>
+            <a:bodyPr rtlCol="0" anchor="ctr"/>
+            <a:lstStyle/>
+            <a:p>
+              <a:pPr algn="ctr"/>
+              <a:r>
+                <a:rPr lang="en-AU" dirty="0">
+                  <a:solidFill>
+                    <a:srgbClr val="FFC000"/>
+                  </a:solidFill>
+                </a:rPr>
+                <a:t>Unknown 1</a:t>
+              </a:r>
+            </a:p>
+          </p:txBody>
+        </p:sp>
+        <p:sp>
+          <p:nvSpPr>
+            <p:cNvPr id="6" name="Rectangle 5">
+              <a:extLst>
+                <a:ext uri="{FF2B5EF4-FFF2-40B4-BE49-F238E27FC236}">
+                  <a16:creationId xmlns:a16="http://schemas.microsoft.com/office/drawing/2014/main" id="{396A158E-146D-EA82-4BA6-D31AC7417F65}"/>
+                </a:ext>
+              </a:extLst>
+            </p:cNvPr>
+            <p:cNvSpPr/>
+            <p:nvPr/>
+          </p:nvSpPr>
+          <p:spPr>
+            <a:xfrm>
+              <a:off x="8106951" y="667512"/>
+              <a:ext cx="2767584" cy="1301496"/>
+            </a:xfrm>
+            <a:prstGeom prst="rect">
+              <a:avLst/>
+            </a:prstGeom>
             <a:solidFill>
-              <a:srgbClr val="FFC000"/>
+              <a:srgbClr val="0070C0">
+                <a:alpha val="50196"/>
+              </a:srgbClr>
             </a:solidFill>
-          </a:ln>
-        </p:spPr>
-        <p:style>
-          <a:lnRef idx="2">
-            <a:schemeClr val="accent1">
-              <a:shade val="15000"/>
-            </a:schemeClr>
-          </a:lnRef>
-          <a:fillRef idx="1">
-            <a:schemeClr val="accent1"/>
-          </a:fillRef>
-          <a:effectRef idx="0">
-            <a:schemeClr val="accent1"/>
-          </a:effectRef>
-          <a:fontRef idx="minor">
-            <a:schemeClr val="lt1"/>
-          </a:fontRef>
-        </p:style>
-        <p:txBody>
-          <a:bodyPr rtlCol="0" anchor="ctr"/>
-          <a:lstStyle/>
-          <a:p>
-            <a:pPr algn="ctr"/>
-            <a:endParaRPr lang="en-AU"/>
-          </a:p>
-        </p:txBody>
-      </p:sp>
-      <p:sp>
-        <p:nvSpPr>
-          <p:cNvPr id="6" name="Rectangle 5">
-            <a:extLst>
-              <a:ext uri="{FF2B5EF4-FFF2-40B4-BE49-F238E27FC236}">
-                <a16:creationId xmlns:a16="http://schemas.microsoft.com/office/drawing/2014/main" id="{396A158E-146D-EA82-4BA6-D31AC7417F65}"/>
-              </a:ext>
-            </a:extLst>
-          </p:cNvPr>
-          <p:cNvSpPr/>
-          <p:nvPr/>
-        </p:nvSpPr>
-        <p:spPr>
-          <a:xfrm>
-            <a:off x="1467612" y="2144268"/>
-            <a:ext cx="2767584" cy="1301496"/>
-          </a:xfrm>
-          <a:prstGeom prst="rect">
-            <a:avLst/>
-          </a:prstGeom>
-          <a:solidFill>
-            <a:srgbClr val="0070C0">
-              <a:alpha val="50196"/>
-            </a:srgbClr>
-          </a:solidFill>
-          <a:ln>
+            <a:ln>
+              <a:solidFill>
+                <a:srgbClr val="0070C0"/>
+              </a:solidFill>
+            </a:ln>
+          </p:spPr>
+          <p:style>
+            <a:lnRef idx="2">
+              <a:schemeClr val="accent1">
+                <a:shade val="15000"/>
+              </a:schemeClr>
+            </a:lnRef>
+            <a:fillRef idx="1">
+              <a:schemeClr val="accent1"/>
+            </a:fillRef>
+            <a:effectRef idx="0">
+              <a:schemeClr val="accent1"/>
+            </a:effectRef>
+            <a:fontRef idx="minor">
+              <a:schemeClr val="lt1"/>
+            </a:fontRef>
+          </p:style>
+          <p:txBody>
+            <a:bodyPr rtlCol="0" anchor="ctr"/>
+            <a:lstStyle/>
+            <a:p>
+              <a:pPr algn="ctr"/>
+              <a:r>
+                <a:rPr lang="en-AU" dirty="0">
+                  <a:solidFill>
+                    <a:srgbClr val="0070C0"/>
+                  </a:solidFill>
+                </a:rPr>
+                <a:t>Unknown 2</a:t>
+              </a:r>
+            </a:p>
+          </p:txBody>
+        </p:sp>
+        <p:sp>
+          <p:nvSpPr>
+            <p:cNvPr id="7" name="Rectangle 6">
+              <a:extLst>
+                <a:ext uri="{FF2B5EF4-FFF2-40B4-BE49-F238E27FC236}">
+                  <a16:creationId xmlns:a16="http://schemas.microsoft.com/office/drawing/2014/main" id="{89C40F6C-B595-383D-63DF-4A8C116409EE}"/>
+                </a:ext>
+              </a:extLst>
+            </p:cNvPr>
+            <p:cNvSpPr/>
+            <p:nvPr/>
+          </p:nvSpPr>
+          <p:spPr>
+            <a:xfrm>
+              <a:off x="8106951" y="2091027"/>
+              <a:ext cx="2075688" cy="1801368"/>
+            </a:xfrm>
+            <a:prstGeom prst="rect">
+              <a:avLst/>
+            </a:prstGeom>
             <a:solidFill>
-              <a:srgbClr val="0070C0"/>
+              <a:srgbClr val="00B050">
+                <a:alpha val="50196"/>
+              </a:srgbClr>
             </a:solidFill>
-          </a:ln>
-        </p:spPr>
-        <p:style>
-          <a:lnRef idx="2">
-            <a:schemeClr val="accent1">
-              <a:shade val="15000"/>
-            </a:schemeClr>
-          </a:lnRef>
-          <a:fillRef idx="1">
-            <a:schemeClr val="accent1"/>
-          </a:fillRef>
-          <a:effectRef idx="0">
-            <a:schemeClr val="accent1"/>
-          </a:effectRef>
-          <a:fontRef idx="minor">
-            <a:schemeClr val="lt1"/>
-          </a:fontRef>
-        </p:style>
-        <p:txBody>
-          <a:bodyPr rtlCol="0" anchor="ctr"/>
-          <a:lstStyle/>
-          <a:p>
-            <a:pPr algn="ctr"/>
-            <a:endParaRPr lang="en-AU"/>
-          </a:p>
-        </p:txBody>
-      </p:sp>
-      <p:sp>
-        <p:nvSpPr>
-          <p:cNvPr id="7" name="Rectangle 6">
-            <a:extLst>
-              <a:ext uri="{FF2B5EF4-FFF2-40B4-BE49-F238E27FC236}">
-                <a16:creationId xmlns:a16="http://schemas.microsoft.com/office/drawing/2014/main" id="{89C40F6C-B595-383D-63DF-4A8C116409EE}"/>
-              </a:ext>
-            </a:extLst>
-          </p:cNvPr>
-          <p:cNvSpPr/>
-          <p:nvPr/>
-        </p:nvSpPr>
-        <p:spPr>
-          <a:xfrm>
-            <a:off x="1813560" y="3204210"/>
-            <a:ext cx="2075688" cy="1801368"/>
-          </a:xfrm>
-          <a:prstGeom prst="rect">
-            <a:avLst/>
-          </a:prstGeom>
-          <a:solidFill>
-            <a:srgbClr val="00B050">
-              <a:alpha val="50196"/>
-            </a:srgbClr>
-          </a:solidFill>
-          <a:ln>
-            <a:solidFill>
-              <a:srgbClr val="00B050"/>
-            </a:solidFill>
-          </a:ln>
-        </p:spPr>
-        <p:style>
-          <a:lnRef idx="2">
-            <a:schemeClr val="accent1">
-              <a:shade val="15000"/>
-            </a:schemeClr>
-          </a:lnRef>
-          <a:fillRef idx="1">
-            <a:schemeClr val="accent1"/>
-          </a:fillRef>
-          <a:effectRef idx="0">
-            <a:schemeClr val="accent1"/>
-          </a:effectRef>
-          <a:fontRef idx="minor">
-            <a:schemeClr val="lt1"/>
-          </a:fontRef>
-        </p:style>
-        <p:txBody>
-          <a:bodyPr rtlCol="0" anchor="ctr"/>
-          <a:lstStyle/>
-          <a:p>
-            <a:pPr algn="ctr"/>
-            <a:endParaRPr lang="en-AU"/>
-          </a:p>
-        </p:txBody>
-      </p:sp>
+            <a:ln>
+              <a:solidFill>
+                <a:srgbClr val="00B050"/>
+              </a:solidFill>
+            </a:ln>
+          </p:spPr>
+          <p:style>
+            <a:lnRef idx="2">
+              <a:schemeClr val="accent1">
+                <a:shade val="15000"/>
+              </a:schemeClr>
+            </a:lnRef>
+            <a:fillRef idx="1">
+              <a:schemeClr val="accent1"/>
+            </a:fillRef>
+            <a:effectRef idx="0">
+              <a:schemeClr val="accent1"/>
+            </a:effectRef>
+            <a:fontRef idx="minor">
+              <a:schemeClr val="lt1"/>
+            </a:fontRef>
+          </p:style>
+          <p:txBody>
+            <a:bodyPr rtlCol="0" anchor="ctr"/>
+            <a:lstStyle/>
+            <a:p>
+              <a:pPr algn="ctr"/>
+              <a:r>
+                <a:rPr lang="en-AU" dirty="0">
+                  <a:solidFill>
+                    <a:srgbClr val="00B050"/>
+                  </a:solidFill>
+                </a:rPr>
+                <a:t>Unknown 3</a:t>
+              </a:r>
+            </a:p>
+          </p:txBody>
+        </p:sp>
+      </p:grpSp>
     </p:spTree>
     <p:extLst>
       <p:ext uri="{BB962C8B-B14F-4D97-AF65-F5344CB8AC3E}">
@@ -3587,6 +3645,290 @@
 </file>
 
 <file path=ppt/slides/slide2.xml><?xml version="1.0" encoding="utf-8"?>
+<p:sld xmlns:a="http://schemas.openxmlformats.org/drawingml/2006/main" xmlns:r="http://schemas.openxmlformats.org/officeDocument/2006/relationships" xmlns:p="http://schemas.openxmlformats.org/presentationml/2006/main">
+  <p:cSld>
+    <p:spTree>
+      <p:nvGrpSpPr>
+        <p:cNvPr id="1" name="">
+          <a:extLst>
+            <a:ext uri="{FF2B5EF4-FFF2-40B4-BE49-F238E27FC236}">
+              <a16:creationId xmlns:a16="http://schemas.microsoft.com/office/drawing/2014/main" id="{436DE48E-21C3-736C-B019-9C95180FF596}"/>
+            </a:ext>
+          </a:extLst>
+        </p:cNvPr>
+        <p:cNvGrpSpPr/>
+        <p:nvPr/>
+      </p:nvGrpSpPr>
+      <p:grpSpPr>
+        <a:xfrm>
+          <a:off x="0" y="0"/>
+          <a:ext cx="0" cy="0"/>
+          <a:chOff x="0" y="0"/>
+          <a:chExt cx="0" cy="0"/>
+        </a:xfrm>
+      </p:grpSpPr>
+      <p:grpSp>
+        <p:nvGrpSpPr>
+          <p:cNvPr id="2" name="Group 1">
+            <a:extLst>
+              <a:ext uri="{FF2B5EF4-FFF2-40B4-BE49-F238E27FC236}">
+                <a16:creationId xmlns:a16="http://schemas.microsoft.com/office/drawing/2014/main" id="{40FCAD7F-2900-0CE7-3C98-B6C699EE3B8E}"/>
+              </a:ext>
+            </a:extLst>
+          </p:cNvPr>
+          <p:cNvGrpSpPr/>
+          <p:nvPr/>
+        </p:nvGrpSpPr>
+        <p:grpSpPr>
+          <a:xfrm>
+            <a:off x="1271016" y="667512"/>
+            <a:ext cx="4718304" cy="5577840"/>
+            <a:chOff x="1271016" y="667512"/>
+            <a:chExt cx="4718304" cy="5577840"/>
+          </a:xfrm>
+        </p:grpSpPr>
+        <p:sp>
+          <p:nvSpPr>
+            <p:cNvPr id="4" name="Rectangle 3">
+              <a:extLst>
+                <a:ext uri="{FF2B5EF4-FFF2-40B4-BE49-F238E27FC236}">
+                  <a16:creationId xmlns:a16="http://schemas.microsoft.com/office/drawing/2014/main" id="{79FF134F-ABD5-A54A-A6CE-BBABD6EEC8DA}"/>
+                </a:ext>
+              </a:extLst>
+            </p:cNvPr>
+            <p:cNvSpPr/>
+            <p:nvPr/>
+          </p:nvSpPr>
+          <p:spPr>
+            <a:xfrm>
+              <a:off x="1271016" y="667512"/>
+              <a:ext cx="4718304" cy="5577840"/>
+            </a:xfrm>
+            <a:prstGeom prst="rect">
+              <a:avLst/>
+            </a:prstGeom>
+            <a:solidFill>
+              <a:srgbClr val="404040">
+                <a:alpha val="50196"/>
+              </a:srgbClr>
+            </a:solidFill>
+            <a:ln>
+              <a:solidFill>
+                <a:schemeClr val="tx1">
+                  <a:lumMod val="75000"/>
+                  <a:lumOff val="25000"/>
+                </a:schemeClr>
+              </a:solidFill>
+            </a:ln>
+          </p:spPr>
+          <p:style>
+            <a:lnRef idx="2">
+              <a:schemeClr val="accent1">
+                <a:shade val="15000"/>
+              </a:schemeClr>
+            </a:lnRef>
+            <a:fillRef idx="1">
+              <a:schemeClr val="accent1"/>
+            </a:fillRef>
+            <a:effectRef idx="0">
+              <a:schemeClr val="accent1"/>
+            </a:effectRef>
+            <a:fontRef idx="minor">
+              <a:schemeClr val="lt1"/>
+            </a:fontRef>
+          </p:style>
+          <p:txBody>
+            <a:bodyPr rtlCol="0" anchor="ctr"/>
+            <a:lstStyle/>
+            <a:p>
+              <a:pPr algn="ctr"/>
+              <a:endParaRPr lang="en-AU"/>
+            </a:p>
+          </p:txBody>
+        </p:sp>
+        <p:sp>
+          <p:nvSpPr>
+            <p:cNvPr id="5" name="Rectangle 4">
+              <a:extLst>
+                <a:ext uri="{FF2B5EF4-FFF2-40B4-BE49-F238E27FC236}">
+                  <a16:creationId xmlns:a16="http://schemas.microsoft.com/office/drawing/2014/main" id="{6B2DD01C-6C34-506D-91BB-20898E32CEE2}"/>
+                </a:ext>
+              </a:extLst>
+            </p:cNvPr>
+            <p:cNvSpPr/>
+            <p:nvPr/>
+          </p:nvSpPr>
+          <p:spPr>
+            <a:xfrm>
+              <a:off x="1271016" y="797052"/>
+              <a:ext cx="1776984" cy="2188464"/>
+            </a:xfrm>
+            <a:prstGeom prst="rect">
+              <a:avLst/>
+            </a:prstGeom>
+            <a:solidFill>
+              <a:srgbClr val="FFC000">
+                <a:alpha val="50196"/>
+              </a:srgbClr>
+            </a:solidFill>
+            <a:ln>
+              <a:solidFill>
+                <a:srgbClr val="FFC000"/>
+              </a:solidFill>
+            </a:ln>
+          </p:spPr>
+          <p:style>
+            <a:lnRef idx="2">
+              <a:schemeClr val="accent1">
+                <a:shade val="15000"/>
+              </a:schemeClr>
+            </a:lnRef>
+            <a:fillRef idx="1">
+              <a:schemeClr val="accent1"/>
+            </a:fillRef>
+            <a:effectRef idx="0">
+              <a:schemeClr val="accent1"/>
+            </a:effectRef>
+            <a:fontRef idx="minor">
+              <a:schemeClr val="lt1"/>
+            </a:fontRef>
+          </p:style>
+          <p:txBody>
+            <a:bodyPr rtlCol="0" anchor="ctr"/>
+            <a:lstStyle/>
+            <a:p>
+              <a:pPr algn="ctr"/>
+              <a:endParaRPr lang="en-AU"/>
+            </a:p>
+          </p:txBody>
+        </p:sp>
+        <p:sp>
+          <p:nvSpPr>
+            <p:cNvPr id="6" name="Rectangle 5">
+              <a:extLst>
+                <a:ext uri="{FF2B5EF4-FFF2-40B4-BE49-F238E27FC236}">
+                  <a16:creationId xmlns:a16="http://schemas.microsoft.com/office/drawing/2014/main" id="{82A0CACF-84B1-2FDF-C236-7E0ED882D728}"/>
+                </a:ext>
+              </a:extLst>
+            </p:cNvPr>
+            <p:cNvSpPr/>
+            <p:nvPr/>
+          </p:nvSpPr>
+          <p:spPr>
+            <a:xfrm>
+              <a:off x="1467612" y="2144268"/>
+              <a:ext cx="2767584" cy="1301496"/>
+            </a:xfrm>
+            <a:prstGeom prst="rect">
+              <a:avLst/>
+            </a:prstGeom>
+            <a:solidFill>
+              <a:srgbClr val="0070C0">
+                <a:alpha val="50196"/>
+              </a:srgbClr>
+            </a:solidFill>
+            <a:ln>
+              <a:solidFill>
+                <a:srgbClr val="0070C0"/>
+              </a:solidFill>
+            </a:ln>
+          </p:spPr>
+          <p:style>
+            <a:lnRef idx="2">
+              <a:schemeClr val="accent1">
+                <a:shade val="15000"/>
+              </a:schemeClr>
+            </a:lnRef>
+            <a:fillRef idx="1">
+              <a:schemeClr val="accent1"/>
+            </a:fillRef>
+            <a:effectRef idx="0">
+              <a:schemeClr val="accent1"/>
+            </a:effectRef>
+            <a:fontRef idx="minor">
+              <a:schemeClr val="lt1"/>
+            </a:fontRef>
+          </p:style>
+          <p:txBody>
+            <a:bodyPr rtlCol="0" anchor="ctr"/>
+            <a:lstStyle/>
+            <a:p>
+              <a:pPr algn="ctr"/>
+              <a:endParaRPr lang="en-AU"/>
+            </a:p>
+          </p:txBody>
+        </p:sp>
+        <p:sp>
+          <p:nvSpPr>
+            <p:cNvPr id="7" name="Rectangle 6">
+              <a:extLst>
+                <a:ext uri="{FF2B5EF4-FFF2-40B4-BE49-F238E27FC236}">
+                  <a16:creationId xmlns:a16="http://schemas.microsoft.com/office/drawing/2014/main" id="{1B7F7E72-78A9-59D8-ED7F-D19134755F8D}"/>
+                </a:ext>
+              </a:extLst>
+            </p:cNvPr>
+            <p:cNvSpPr/>
+            <p:nvPr/>
+          </p:nvSpPr>
+          <p:spPr>
+            <a:xfrm>
+              <a:off x="1813560" y="3204210"/>
+              <a:ext cx="2075688" cy="1801368"/>
+            </a:xfrm>
+            <a:prstGeom prst="rect">
+              <a:avLst/>
+            </a:prstGeom>
+            <a:solidFill>
+              <a:srgbClr val="00B050">
+                <a:alpha val="50196"/>
+              </a:srgbClr>
+            </a:solidFill>
+            <a:ln>
+              <a:solidFill>
+                <a:srgbClr val="00B050"/>
+              </a:solidFill>
+            </a:ln>
+          </p:spPr>
+          <p:style>
+            <a:lnRef idx="2">
+              <a:schemeClr val="accent1">
+                <a:shade val="15000"/>
+              </a:schemeClr>
+            </a:lnRef>
+            <a:fillRef idx="1">
+              <a:schemeClr val="accent1"/>
+            </a:fillRef>
+            <a:effectRef idx="0">
+              <a:schemeClr val="accent1"/>
+            </a:effectRef>
+            <a:fontRef idx="minor">
+              <a:schemeClr val="lt1"/>
+            </a:fontRef>
+          </p:style>
+          <p:txBody>
+            <a:bodyPr rtlCol="0" anchor="ctr"/>
+            <a:lstStyle/>
+            <a:p>
+              <a:pPr algn="ctr"/>
+              <a:endParaRPr lang="en-AU"/>
+            </a:p>
+          </p:txBody>
+        </p:sp>
+      </p:grpSp>
+    </p:spTree>
+    <p:extLst>
+      <p:ext uri="{BB962C8B-B14F-4D97-AF65-F5344CB8AC3E}">
+        <p14:creationId xmlns:p14="http://schemas.microsoft.com/office/powerpoint/2010/main" val="2374758923"/>
+      </p:ext>
+    </p:extLst>
+  </p:cSld>
+  <p:clrMapOvr>
+    <a:masterClrMapping/>
+  </p:clrMapOvr>
+</p:sld>
+</file>
+
+<file path=ppt/slides/slide3.xml><?xml version="1.0" encoding="utf-8"?>
 <p:sld xmlns:a="http://schemas.openxmlformats.org/drawingml/2006/main" xmlns:r="http://schemas.openxmlformats.org/officeDocument/2006/relationships" xmlns:p="http://schemas.openxmlformats.org/presentationml/2006/main">
   <p:cSld>
     <p:spTree>
@@ -3609,233 +3951,254 @@
           <a:chExt cx="0" cy="0"/>
         </a:xfrm>
       </p:grpSpPr>
-      <p:sp>
-        <p:nvSpPr>
-          <p:cNvPr id="2" name="Rectangle 1">
-            <a:extLst>
-              <a:ext uri="{FF2B5EF4-FFF2-40B4-BE49-F238E27FC236}">
-                <a16:creationId xmlns:a16="http://schemas.microsoft.com/office/drawing/2014/main" id="{13977BEC-8946-4B08-8B6E-E59A8AC91E2E}"/>
-              </a:ext>
-            </a:extLst>
-          </p:cNvPr>
-          <p:cNvSpPr/>
+      <p:grpSp>
+        <p:nvGrpSpPr>
+          <p:cNvPr id="3" name="Group 2">
+            <a:extLst>
+              <a:ext uri="{FF2B5EF4-FFF2-40B4-BE49-F238E27FC236}">
+                <a16:creationId xmlns:a16="http://schemas.microsoft.com/office/drawing/2014/main" id="{C667F6BE-B157-0901-BFB7-E1A187CB5328}"/>
+              </a:ext>
+            </a:extLst>
+          </p:cNvPr>
+          <p:cNvGrpSpPr/>
           <p:nvPr/>
-        </p:nvSpPr>
-        <p:spPr>
+        </p:nvGrpSpPr>
+        <p:grpSpPr>
           <a:xfrm>
-            <a:off x="1271016" y="667512"/>
-            <a:ext cx="4718304" cy="5577840"/>
+            <a:off x="841248" y="667512"/>
+            <a:ext cx="5670804" cy="5577840"/>
+            <a:chOff x="841248" y="667512"/>
+            <a:chExt cx="5670804" cy="5577840"/>
           </a:xfrm>
-          <a:prstGeom prst="rect">
-            <a:avLst/>
-          </a:prstGeom>
-          <a:solidFill>
-            <a:srgbClr val="404040">
-              <a:alpha val="50196"/>
-            </a:srgbClr>
-          </a:solidFill>
-          <a:ln>
+        </p:grpSpPr>
+        <p:sp>
+          <p:nvSpPr>
+            <p:cNvPr id="2" name="Rectangle 1">
+              <a:extLst>
+                <a:ext uri="{FF2B5EF4-FFF2-40B4-BE49-F238E27FC236}">
+                  <a16:creationId xmlns:a16="http://schemas.microsoft.com/office/drawing/2014/main" id="{13977BEC-8946-4B08-8B6E-E59A8AC91E2E}"/>
+                </a:ext>
+              </a:extLst>
+            </p:cNvPr>
+            <p:cNvSpPr/>
+            <p:nvPr/>
+          </p:nvSpPr>
+          <p:spPr>
+            <a:xfrm>
+              <a:off x="1271016" y="667512"/>
+              <a:ext cx="4718304" cy="5577840"/>
+            </a:xfrm>
+            <a:prstGeom prst="rect">
+              <a:avLst/>
+            </a:prstGeom>
             <a:solidFill>
-              <a:schemeClr val="tx1">
-                <a:lumMod val="75000"/>
-                <a:lumOff val="25000"/>
+              <a:srgbClr val="404040">
+                <a:alpha val="50196"/>
+              </a:srgbClr>
+            </a:solidFill>
+            <a:ln>
+              <a:solidFill>
+                <a:schemeClr val="tx1">
+                  <a:lumMod val="75000"/>
+                  <a:lumOff val="25000"/>
+                </a:schemeClr>
+              </a:solidFill>
+            </a:ln>
+          </p:spPr>
+          <p:style>
+            <a:lnRef idx="2">
+              <a:schemeClr val="accent1">
+                <a:shade val="15000"/>
               </a:schemeClr>
+            </a:lnRef>
+            <a:fillRef idx="1">
+              <a:schemeClr val="accent1"/>
+            </a:fillRef>
+            <a:effectRef idx="0">
+              <a:schemeClr val="accent1"/>
+            </a:effectRef>
+            <a:fontRef idx="minor">
+              <a:schemeClr val="lt1"/>
+            </a:fontRef>
+          </p:style>
+          <p:txBody>
+            <a:bodyPr rtlCol="0" anchor="ctr"/>
+            <a:lstStyle/>
+            <a:p>
+              <a:pPr algn="ctr"/>
+              <a:endParaRPr lang="en-AU"/>
+            </a:p>
+          </p:txBody>
+        </p:sp>
+        <p:sp>
+          <p:nvSpPr>
+            <p:cNvPr id="5" name="Rectangle 4">
+              <a:extLst>
+                <a:ext uri="{FF2B5EF4-FFF2-40B4-BE49-F238E27FC236}">
+                  <a16:creationId xmlns:a16="http://schemas.microsoft.com/office/drawing/2014/main" id="{8A10C8F1-60B0-526E-1B00-BDA9ED733DA9}"/>
+                </a:ext>
+              </a:extLst>
+            </p:cNvPr>
+            <p:cNvSpPr/>
+            <p:nvPr/>
+          </p:nvSpPr>
+          <p:spPr>
+            <a:xfrm>
+              <a:off x="841248" y="870204"/>
+              <a:ext cx="1776984" cy="2188464"/>
+            </a:xfrm>
+            <a:prstGeom prst="rect">
+              <a:avLst/>
+            </a:prstGeom>
+            <a:solidFill>
+              <a:srgbClr val="FFC000">
+                <a:alpha val="50196"/>
+              </a:srgbClr>
             </a:solidFill>
-          </a:ln>
-        </p:spPr>
-        <p:style>
-          <a:lnRef idx="2">
-            <a:schemeClr val="accent1">
-              <a:shade val="15000"/>
-            </a:schemeClr>
-          </a:lnRef>
-          <a:fillRef idx="1">
-            <a:schemeClr val="accent1"/>
-          </a:fillRef>
-          <a:effectRef idx="0">
-            <a:schemeClr val="accent1"/>
-          </a:effectRef>
-          <a:fontRef idx="minor">
-            <a:schemeClr val="lt1"/>
-          </a:fontRef>
-        </p:style>
-        <p:txBody>
-          <a:bodyPr rtlCol="0" anchor="ctr"/>
-          <a:lstStyle/>
-          <a:p>
-            <a:pPr algn="ctr"/>
-            <a:endParaRPr lang="en-AU"/>
-          </a:p>
-        </p:txBody>
-      </p:sp>
-      <p:sp>
-        <p:nvSpPr>
-          <p:cNvPr id="5" name="Rectangle 4">
-            <a:extLst>
-              <a:ext uri="{FF2B5EF4-FFF2-40B4-BE49-F238E27FC236}">
-                <a16:creationId xmlns:a16="http://schemas.microsoft.com/office/drawing/2014/main" id="{8A10C8F1-60B0-526E-1B00-BDA9ED733DA9}"/>
-              </a:ext>
-            </a:extLst>
-          </p:cNvPr>
-          <p:cNvSpPr/>
-          <p:nvPr/>
-        </p:nvSpPr>
-        <p:spPr>
-          <a:xfrm>
-            <a:off x="841248" y="870204"/>
-            <a:ext cx="1776984" cy="2188464"/>
-          </a:xfrm>
-          <a:prstGeom prst="rect">
-            <a:avLst/>
-          </a:prstGeom>
-          <a:solidFill>
-            <a:srgbClr val="FFC000">
-              <a:alpha val="50196"/>
-            </a:srgbClr>
-          </a:solidFill>
-          <a:ln>
+            <a:ln>
+              <a:solidFill>
+                <a:srgbClr val="FFC000"/>
+              </a:solidFill>
+            </a:ln>
+          </p:spPr>
+          <p:style>
+            <a:lnRef idx="2">
+              <a:schemeClr val="accent1">
+                <a:shade val="15000"/>
+              </a:schemeClr>
+            </a:lnRef>
+            <a:fillRef idx="1">
+              <a:schemeClr val="accent1"/>
+            </a:fillRef>
+            <a:effectRef idx="0">
+              <a:schemeClr val="accent1"/>
+            </a:effectRef>
+            <a:fontRef idx="minor">
+              <a:schemeClr val="lt1"/>
+            </a:fontRef>
+          </p:style>
+          <p:txBody>
+            <a:bodyPr rtlCol="0" anchor="ctr"/>
+            <a:lstStyle/>
+            <a:p>
+              <a:pPr algn="ctr"/>
+              <a:endParaRPr lang="en-AU"/>
+            </a:p>
+          </p:txBody>
+        </p:sp>
+        <p:sp>
+          <p:nvSpPr>
+            <p:cNvPr id="6" name="Rectangle 5">
+              <a:extLst>
+                <a:ext uri="{FF2B5EF4-FFF2-40B4-BE49-F238E27FC236}">
+                  <a16:creationId xmlns:a16="http://schemas.microsoft.com/office/drawing/2014/main" id="{D87575B5-EFB6-ED16-A688-35D91DAF56EF}"/>
+                </a:ext>
+              </a:extLst>
+            </p:cNvPr>
+            <p:cNvSpPr/>
+            <p:nvPr/>
+          </p:nvSpPr>
+          <p:spPr>
+            <a:xfrm>
+              <a:off x="3744468" y="2154936"/>
+              <a:ext cx="2767584" cy="1301496"/>
+            </a:xfrm>
+            <a:prstGeom prst="rect">
+              <a:avLst/>
+            </a:prstGeom>
             <a:solidFill>
-              <a:srgbClr val="FFC000"/>
+              <a:srgbClr val="0070C0">
+                <a:alpha val="50196"/>
+              </a:srgbClr>
             </a:solidFill>
-          </a:ln>
-        </p:spPr>
-        <p:style>
-          <a:lnRef idx="2">
-            <a:schemeClr val="accent1">
-              <a:shade val="15000"/>
-            </a:schemeClr>
-          </a:lnRef>
-          <a:fillRef idx="1">
-            <a:schemeClr val="accent1"/>
-          </a:fillRef>
-          <a:effectRef idx="0">
-            <a:schemeClr val="accent1"/>
-          </a:effectRef>
-          <a:fontRef idx="minor">
-            <a:schemeClr val="lt1"/>
-          </a:fontRef>
-        </p:style>
-        <p:txBody>
-          <a:bodyPr rtlCol="0" anchor="ctr"/>
-          <a:lstStyle/>
-          <a:p>
-            <a:pPr algn="ctr"/>
-            <a:endParaRPr lang="en-AU"/>
-          </a:p>
-        </p:txBody>
-      </p:sp>
-      <p:sp>
-        <p:nvSpPr>
-          <p:cNvPr id="6" name="Rectangle 5">
-            <a:extLst>
-              <a:ext uri="{FF2B5EF4-FFF2-40B4-BE49-F238E27FC236}">
-                <a16:creationId xmlns:a16="http://schemas.microsoft.com/office/drawing/2014/main" id="{D87575B5-EFB6-ED16-A688-35D91DAF56EF}"/>
-              </a:ext>
-            </a:extLst>
-          </p:cNvPr>
-          <p:cNvSpPr/>
-          <p:nvPr/>
-        </p:nvSpPr>
-        <p:spPr>
-          <a:xfrm>
-            <a:off x="3744468" y="2154936"/>
-            <a:ext cx="2767584" cy="1301496"/>
-          </a:xfrm>
-          <a:prstGeom prst="rect">
-            <a:avLst/>
-          </a:prstGeom>
-          <a:solidFill>
-            <a:srgbClr val="0070C0">
-              <a:alpha val="50196"/>
-            </a:srgbClr>
-          </a:solidFill>
-          <a:ln>
+            <a:ln>
+              <a:solidFill>
+                <a:srgbClr val="0070C0"/>
+              </a:solidFill>
+            </a:ln>
+          </p:spPr>
+          <p:style>
+            <a:lnRef idx="2">
+              <a:schemeClr val="accent1">
+                <a:shade val="15000"/>
+              </a:schemeClr>
+            </a:lnRef>
+            <a:fillRef idx="1">
+              <a:schemeClr val="accent1"/>
+            </a:fillRef>
+            <a:effectRef idx="0">
+              <a:schemeClr val="accent1"/>
+            </a:effectRef>
+            <a:fontRef idx="minor">
+              <a:schemeClr val="lt1"/>
+            </a:fontRef>
+          </p:style>
+          <p:txBody>
+            <a:bodyPr rtlCol="0" anchor="ctr"/>
+            <a:lstStyle/>
+            <a:p>
+              <a:pPr algn="ctr"/>
+              <a:endParaRPr lang="en-AU"/>
+            </a:p>
+          </p:txBody>
+        </p:sp>
+        <p:sp>
+          <p:nvSpPr>
+            <p:cNvPr id="7" name="Rectangle 6">
+              <a:extLst>
+                <a:ext uri="{FF2B5EF4-FFF2-40B4-BE49-F238E27FC236}">
+                  <a16:creationId xmlns:a16="http://schemas.microsoft.com/office/drawing/2014/main" id="{57EDDC18-2EAC-40AA-5284-1287D2DC8B11}"/>
+                </a:ext>
+              </a:extLst>
+            </p:cNvPr>
+            <p:cNvSpPr/>
+            <p:nvPr/>
+          </p:nvSpPr>
+          <p:spPr>
+            <a:xfrm>
+              <a:off x="1580388" y="3799333"/>
+              <a:ext cx="2075688" cy="1801368"/>
+            </a:xfrm>
+            <a:prstGeom prst="rect">
+              <a:avLst/>
+            </a:prstGeom>
             <a:solidFill>
-              <a:srgbClr val="0070C0"/>
+              <a:srgbClr val="00B050">
+                <a:alpha val="50196"/>
+              </a:srgbClr>
             </a:solidFill>
-          </a:ln>
-        </p:spPr>
-        <p:style>
-          <a:lnRef idx="2">
-            <a:schemeClr val="accent1">
-              <a:shade val="15000"/>
-            </a:schemeClr>
-          </a:lnRef>
-          <a:fillRef idx="1">
-            <a:schemeClr val="accent1"/>
-          </a:fillRef>
-          <a:effectRef idx="0">
-            <a:schemeClr val="accent1"/>
-          </a:effectRef>
-          <a:fontRef idx="minor">
-            <a:schemeClr val="lt1"/>
-          </a:fontRef>
-        </p:style>
-        <p:txBody>
-          <a:bodyPr rtlCol="0" anchor="ctr"/>
-          <a:lstStyle/>
-          <a:p>
-            <a:pPr algn="ctr"/>
-            <a:endParaRPr lang="en-AU"/>
-          </a:p>
-        </p:txBody>
-      </p:sp>
-      <p:sp>
-        <p:nvSpPr>
-          <p:cNvPr id="7" name="Rectangle 6">
-            <a:extLst>
-              <a:ext uri="{FF2B5EF4-FFF2-40B4-BE49-F238E27FC236}">
-                <a16:creationId xmlns:a16="http://schemas.microsoft.com/office/drawing/2014/main" id="{57EDDC18-2EAC-40AA-5284-1287D2DC8B11}"/>
-              </a:ext>
-            </a:extLst>
-          </p:cNvPr>
-          <p:cNvSpPr/>
-          <p:nvPr/>
-        </p:nvSpPr>
-        <p:spPr>
-          <a:xfrm>
-            <a:off x="1580388" y="3799333"/>
-            <a:ext cx="2075688" cy="1801368"/>
-          </a:xfrm>
-          <a:prstGeom prst="rect">
-            <a:avLst/>
-          </a:prstGeom>
-          <a:solidFill>
-            <a:srgbClr val="00B050">
-              <a:alpha val="50196"/>
-            </a:srgbClr>
-          </a:solidFill>
-          <a:ln>
-            <a:solidFill>
-              <a:srgbClr val="00B050"/>
-            </a:solidFill>
-          </a:ln>
-        </p:spPr>
-        <p:style>
-          <a:lnRef idx="2">
-            <a:schemeClr val="accent1">
-              <a:shade val="15000"/>
-            </a:schemeClr>
-          </a:lnRef>
-          <a:fillRef idx="1">
-            <a:schemeClr val="accent1"/>
-          </a:fillRef>
-          <a:effectRef idx="0">
-            <a:schemeClr val="accent1"/>
-          </a:effectRef>
-          <a:fontRef idx="minor">
-            <a:schemeClr val="lt1"/>
-          </a:fontRef>
-        </p:style>
-        <p:txBody>
-          <a:bodyPr rtlCol="0" anchor="ctr"/>
-          <a:lstStyle/>
-          <a:p>
-            <a:pPr algn="ctr"/>
-            <a:endParaRPr lang="en-AU"/>
-          </a:p>
-        </p:txBody>
-      </p:sp>
+            <a:ln>
+              <a:solidFill>
+                <a:srgbClr val="00B050"/>
+              </a:solidFill>
+            </a:ln>
+          </p:spPr>
+          <p:style>
+            <a:lnRef idx="2">
+              <a:schemeClr val="accent1">
+                <a:shade val="15000"/>
+              </a:schemeClr>
+            </a:lnRef>
+            <a:fillRef idx="1">
+              <a:schemeClr val="accent1"/>
+            </a:fillRef>
+            <a:effectRef idx="0">
+              <a:schemeClr val="accent1"/>
+            </a:effectRef>
+            <a:fontRef idx="minor">
+              <a:schemeClr val="lt1"/>
+            </a:fontRef>
+          </p:style>
+          <p:txBody>
+            <a:bodyPr rtlCol="0" anchor="ctr"/>
+            <a:lstStyle/>
+            <a:p>
+              <a:pPr algn="ctr"/>
+              <a:endParaRPr lang="en-AU"/>
+            </a:p>
+          </p:txBody>
+        </p:sp>
+      </p:grpSp>
     </p:spTree>
     <p:extLst>
       <p:ext uri="{BB962C8B-B14F-4D97-AF65-F5344CB8AC3E}">
@@ -3849,7 +4212,7 @@
 </p:sld>
 </file>
 
-<file path=ppt/slides/slide3.xml><?xml version="1.0" encoding="utf-8"?>
+<file path=ppt/slides/slide4.xml><?xml version="1.0" encoding="utf-8"?>
 <p:sld xmlns:a="http://schemas.openxmlformats.org/drawingml/2006/main" xmlns:r="http://schemas.openxmlformats.org/officeDocument/2006/relationships" xmlns:p="http://schemas.openxmlformats.org/presentationml/2006/main">
   <p:cSld>
     <p:spTree>
@@ -3872,233 +4235,254 @@
           <a:chExt cx="0" cy="0"/>
         </a:xfrm>
       </p:grpSpPr>
-      <p:sp>
-        <p:nvSpPr>
-          <p:cNvPr id="3" name="Rectangle 2">
-            <a:extLst>
-              <a:ext uri="{FF2B5EF4-FFF2-40B4-BE49-F238E27FC236}">
-                <a16:creationId xmlns:a16="http://schemas.microsoft.com/office/drawing/2014/main" id="{5D1C9D38-EEBC-3ACD-F5F5-A4C9B02FBC04}"/>
-              </a:ext>
-            </a:extLst>
-          </p:cNvPr>
-          <p:cNvSpPr/>
+      <p:grpSp>
+        <p:nvGrpSpPr>
+          <p:cNvPr id="4" name="Group 3">
+            <a:extLst>
+              <a:ext uri="{FF2B5EF4-FFF2-40B4-BE49-F238E27FC236}">
+                <a16:creationId xmlns:a16="http://schemas.microsoft.com/office/drawing/2014/main" id="{CFEED72E-D8AA-40A7-F05F-A1A582C44A57}"/>
+              </a:ext>
+            </a:extLst>
+          </p:cNvPr>
+          <p:cNvGrpSpPr/>
           <p:nvPr/>
-        </p:nvSpPr>
-        <p:spPr>
-          <a:xfrm>
-            <a:off x="1271016" y="667512"/>
-            <a:ext cx="4718304" cy="5577840"/>
-          </a:xfrm>
-          <a:prstGeom prst="rect">
-            <a:avLst/>
-          </a:prstGeom>
-          <a:solidFill>
-            <a:srgbClr val="404040">
-              <a:alpha val="50196"/>
-            </a:srgbClr>
-          </a:solidFill>
-          <a:ln>
-            <a:solidFill>
-              <a:schemeClr val="tx1">
-                <a:lumMod val="75000"/>
-                <a:lumOff val="25000"/>
-              </a:schemeClr>
-            </a:solidFill>
-          </a:ln>
-        </p:spPr>
-        <p:style>
-          <a:lnRef idx="2">
-            <a:schemeClr val="accent1">
-              <a:shade val="15000"/>
-            </a:schemeClr>
-          </a:lnRef>
-          <a:fillRef idx="1">
-            <a:schemeClr val="accent1"/>
-          </a:fillRef>
-          <a:effectRef idx="0">
-            <a:schemeClr val="accent1"/>
-          </a:effectRef>
-          <a:fontRef idx="minor">
-            <a:schemeClr val="lt1"/>
-          </a:fontRef>
-        </p:style>
-        <p:txBody>
-          <a:bodyPr rtlCol="0" anchor="ctr"/>
-          <a:lstStyle/>
-          <a:p>
-            <a:pPr algn="ctr"/>
-            <a:endParaRPr lang="en-AU"/>
-          </a:p>
-        </p:txBody>
-      </p:sp>
-      <p:sp>
-        <p:nvSpPr>
-          <p:cNvPr id="5" name="Rectangle 4">
-            <a:extLst>
-              <a:ext uri="{FF2B5EF4-FFF2-40B4-BE49-F238E27FC236}">
-                <a16:creationId xmlns:a16="http://schemas.microsoft.com/office/drawing/2014/main" id="{815E2FDB-83B4-1BF4-E2FB-C77E3BB8904C}"/>
-              </a:ext>
-            </a:extLst>
-          </p:cNvPr>
-          <p:cNvSpPr/>
-          <p:nvPr/>
-        </p:nvSpPr>
-        <p:spPr>
+        </p:nvGrpSpPr>
+        <p:grpSpPr>
           <a:xfrm>
             <a:off x="1271016" y="402336"/>
-            <a:ext cx="1776984" cy="2188464"/>
+            <a:ext cx="4718304" cy="6321552"/>
+            <a:chOff x="1271016" y="402336"/>
+            <a:chExt cx="4718304" cy="6321552"/>
           </a:xfrm>
-          <a:prstGeom prst="rect">
-            <a:avLst/>
-          </a:prstGeom>
-          <a:solidFill>
-            <a:srgbClr val="FFC000">
-              <a:alpha val="50196"/>
-            </a:srgbClr>
-          </a:solidFill>
-          <a:ln>
+        </p:grpSpPr>
+        <p:sp>
+          <p:nvSpPr>
+            <p:cNvPr id="3" name="Rectangle 2">
+              <a:extLst>
+                <a:ext uri="{FF2B5EF4-FFF2-40B4-BE49-F238E27FC236}">
+                  <a16:creationId xmlns:a16="http://schemas.microsoft.com/office/drawing/2014/main" id="{5D1C9D38-EEBC-3ACD-F5F5-A4C9B02FBC04}"/>
+                </a:ext>
+              </a:extLst>
+            </p:cNvPr>
+            <p:cNvSpPr/>
+            <p:nvPr/>
+          </p:nvSpPr>
+          <p:spPr>
+            <a:xfrm>
+              <a:off x="1271016" y="667512"/>
+              <a:ext cx="4718304" cy="5577840"/>
+            </a:xfrm>
+            <a:prstGeom prst="rect">
+              <a:avLst/>
+            </a:prstGeom>
             <a:solidFill>
-              <a:srgbClr val="FFC000"/>
+              <a:srgbClr val="404040">
+                <a:alpha val="50196"/>
+              </a:srgbClr>
             </a:solidFill>
-          </a:ln>
-        </p:spPr>
-        <p:style>
-          <a:lnRef idx="2">
-            <a:schemeClr val="accent1">
-              <a:shade val="15000"/>
-            </a:schemeClr>
-          </a:lnRef>
-          <a:fillRef idx="1">
-            <a:schemeClr val="accent1"/>
-          </a:fillRef>
-          <a:effectRef idx="0">
-            <a:schemeClr val="accent1"/>
-          </a:effectRef>
-          <a:fontRef idx="minor">
-            <a:schemeClr val="lt1"/>
-          </a:fontRef>
-        </p:style>
-        <p:txBody>
-          <a:bodyPr rtlCol="0" anchor="ctr"/>
-          <a:lstStyle/>
-          <a:p>
-            <a:pPr algn="ctr"/>
-            <a:endParaRPr lang="en-AU"/>
-          </a:p>
-        </p:txBody>
-      </p:sp>
-      <p:sp>
-        <p:nvSpPr>
-          <p:cNvPr id="7" name="Rectangle 6">
-            <a:extLst>
-              <a:ext uri="{FF2B5EF4-FFF2-40B4-BE49-F238E27FC236}">
-                <a16:creationId xmlns:a16="http://schemas.microsoft.com/office/drawing/2014/main" id="{605CAB72-131F-FBBF-EE53-69680A5816EA}"/>
-              </a:ext>
-            </a:extLst>
-          </p:cNvPr>
-          <p:cNvSpPr/>
-          <p:nvPr/>
-        </p:nvSpPr>
-        <p:spPr>
-          <a:xfrm>
-            <a:off x="1813560" y="4922520"/>
-            <a:ext cx="2075688" cy="1801368"/>
-          </a:xfrm>
-          <a:prstGeom prst="rect">
-            <a:avLst/>
-          </a:prstGeom>
-          <a:solidFill>
-            <a:srgbClr val="00B050">
-              <a:alpha val="50196"/>
-            </a:srgbClr>
-          </a:solidFill>
-          <a:ln>
+            <a:ln>
+              <a:solidFill>
+                <a:schemeClr val="tx1">
+                  <a:lumMod val="75000"/>
+                  <a:lumOff val="25000"/>
+                </a:schemeClr>
+              </a:solidFill>
+            </a:ln>
+          </p:spPr>
+          <p:style>
+            <a:lnRef idx="2">
+              <a:schemeClr val="accent1">
+                <a:shade val="15000"/>
+              </a:schemeClr>
+            </a:lnRef>
+            <a:fillRef idx="1">
+              <a:schemeClr val="accent1"/>
+            </a:fillRef>
+            <a:effectRef idx="0">
+              <a:schemeClr val="accent1"/>
+            </a:effectRef>
+            <a:fontRef idx="minor">
+              <a:schemeClr val="lt1"/>
+            </a:fontRef>
+          </p:style>
+          <p:txBody>
+            <a:bodyPr rtlCol="0" anchor="ctr"/>
+            <a:lstStyle/>
+            <a:p>
+              <a:pPr algn="ctr"/>
+              <a:endParaRPr lang="en-AU"/>
+            </a:p>
+          </p:txBody>
+        </p:sp>
+        <p:sp>
+          <p:nvSpPr>
+            <p:cNvPr id="5" name="Rectangle 4">
+              <a:extLst>
+                <a:ext uri="{FF2B5EF4-FFF2-40B4-BE49-F238E27FC236}">
+                  <a16:creationId xmlns:a16="http://schemas.microsoft.com/office/drawing/2014/main" id="{815E2FDB-83B4-1BF4-E2FB-C77E3BB8904C}"/>
+                </a:ext>
+              </a:extLst>
+            </p:cNvPr>
+            <p:cNvSpPr/>
+            <p:nvPr/>
+          </p:nvSpPr>
+          <p:spPr>
+            <a:xfrm>
+              <a:off x="1271016" y="402336"/>
+              <a:ext cx="1776984" cy="2188464"/>
+            </a:xfrm>
+            <a:prstGeom prst="rect">
+              <a:avLst/>
+            </a:prstGeom>
             <a:solidFill>
-              <a:srgbClr val="00B050"/>
+              <a:srgbClr val="FFC000">
+                <a:alpha val="50196"/>
+              </a:srgbClr>
             </a:solidFill>
-          </a:ln>
-        </p:spPr>
-        <p:style>
-          <a:lnRef idx="2">
-            <a:schemeClr val="accent1">
-              <a:shade val="15000"/>
-            </a:schemeClr>
-          </a:lnRef>
-          <a:fillRef idx="1">
-            <a:schemeClr val="accent1"/>
-          </a:fillRef>
-          <a:effectRef idx="0">
-            <a:schemeClr val="accent1"/>
-          </a:effectRef>
-          <a:fontRef idx="minor">
-            <a:schemeClr val="lt1"/>
-          </a:fontRef>
-        </p:style>
-        <p:txBody>
-          <a:bodyPr rtlCol="0" anchor="ctr"/>
-          <a:lstStyle/>
-          <a:p>
-            <a:pPr algn="ctr"/>
-            <a:endParaRPr lang="en-AU"/>
-          </a:p>
-        </p:txBody>
-      </p:sp>
-      <p:sp>
-        <p:nvSpPr>
-          <p:cNvPr id="2" name="Rectangle 1">
-            <a:extLst>
-              <a:ext uri="{FF2B5EF4-FFF2-40B4-BE49-F238E27FC236}">
-                <a16:creationId xmlns:a16="http://schemas.microsoft.com/office/drawing/2014/main" id="{11B1C14A-B9AF-0968-87F0-4C03E9FD7F15}"/>
-              </a:ext>
-            </a:extLst>
-          </p:cNvPr>
-          <p:cNvSpPr/>
-          <p:nvPr/>
-        </p:nvSpPr>
-        <p:spPr>
-          <a:xfrm>
-            <a:off x="1467612" y="2144268"/>
-            <a:ext cx="2767584" cy="1301496"/>
-          </a:xfrm>
-          <a:prstGeom prst="rect">
-            <a:avLst/>
-          </a:prstGeom>
-          <a:solidFill>
-            <a:srgbClr val="0070C0">
-              <a:alpha val="50196"/>
-            </a:srgbClr>
-          </a:solidFill>
-          <a:ln>
+            <a:ln>
+              <a:solidFill>
+                <a:srgbClr val="FFC000"/>
+              </a:solidFill>
+            </a:ln>
+          </p:spPr>
+          <p:style>
+            <a:lnRef idx="2">
+              <a:schemeClr val="accent1">
+                <a:shade val="15000"/>
+              </a:schemeClr>
+            </a:lnRef>
+            <a:fillRef idx="1">
+              <a:schemeClr val="accent1"/>
+            </a:fillRef>
+            <a:effectRef idx="0">
+              <a:schemeClr val="accent1"/>
+            </a:effectRef>
+            <a:fontRef idx="minor">
+              <a:schemeClr val="lt1"/>
+            </a:fontRef>
+          </p:style>
+          <p:txBody>
+            <a:bodyPr rtlCol="0" anchor="ctr"/>
+            <a:lstStyle/>
+            <a:p>
+              <a:pPr algn="ctr"/>
+              <a:endParaRPr lang="en-AU"/>
+            </a:p>
+          </p:txBody>
+        </p:sp>
+        <p:sp>
+          <p:nvSpPr>
+            <p:cNvPr id="7" name="Rectangle 6">
+              <a:extLst>
+                <a:ext uri="{FF2B5EF4-FFF2-40B4-BE49-F238E27FC236}">
+                  <a16:creationId xmlns:a16="http://schemas.microsoft.com/office/drawing/2014/main" id="{605CAB72-131F-FBBF-EE53-69680A5816EA}"/>
+                </a:ext>
+              </a:extLst>
+            </p:cNvPr>
+            <p:cNvSpPr/>
+            <p:nvPr/>
+          </p:nvSpPr>
+          <p:spPr>
+            <a:xfrm>
+              <a:off x="1813560" y="4922520"/>
+              <a:ext cx="2075688" cy="1801368"/>
+            </a:xfrm>
+            <a:prstGeom prst="rect">
+              <a:avLst/>
+            </a:prstGeom>
             <a:solidFill>
-              <a:srgbClr val="0070C0"/>
+              <a:srgbClr val="00B050">
+                <a:alpha val="50196"/>
+              </a:srgbClr>
             </a:solidFill>
-          </a:ln>
-        </p:spPr>
-        <p:style>
-          <a:lnRef idx="2">
-            <a:schemeClr val="accent1">
-              <a:shade val="15000"/>
-            </a:schemeClr>
-          </a:lnRef>
-          <a:fillRef idx="1">
-            <a:schemeClr val="accent1"/>
-          </a:fillRef>
-          <a:effectRef idx="0">
-            <a:schemeClr val="accent1"/>
-          </a:effectRef>
-          <a:fontRef idx="minor">
-            <a:schemeClr val="lt1"/>
-          </a:fontRef>
-        </p:style>
-        <p:txBody>
-          <a:bodyPr rtlCol="0" anchor="ctr"/>
-          <a:lstStyle/>
-          <a:p>
-            <a:pPr algn="ctr"/>
-            <a:endParaRPr lang="en-AU"/>
-          </a:p>
-        </p:txBody>
-      </p:sp>
+            <a:ln>
+              <a:solidFill>
+                <a:srgbClr val="00B050"/>
+              </a:solidFill>
+            </a:ln>
+          </p:spPr>
+          <p:style>
+            <a:lnRef idx="2">
+              <a:schemeClr val="accent1">
+                <a:shade val="15000"/>
+              </a:schemeClr>
+            </a:lnRef>
+            <a:fillRef idx="1">
+              <a:schemeClr val="accent1"/>
+            </a:fillRef>
+            <a:effectRef idx="0">
+              <a:schemeClr val="accent1"/>
+            </a:effectRef>
+            <a:fontRef idx="minor">
+              <a:schemeClr val="lt1"/>
+            </a:fontRef>
+          </p:style>
+          <p:txBody>
+            <a:bodyPr rtlCol="0" anchor="ctr"/>
+            <a:lstStyle/>
+            <a:p>
+              <a:pPr algn="ctr"/>
+              <a:endParaRPr lang="en-AU"/>
+            </a:p>
+          </p:txBody>
+        </p:sp>
+        <p:sp>
+          <p:nvSpPr>
+            <p:cNvPr id="2" name="Rectangle 1">
+              <a:extLst>
+                <a:ext uri="{FF2B5EF4-FFF2-40B4-BE49-F238E27FC236}">
+                  <a16:creationId xmlns:a16="http://schemas.microsoft.com/office/drawing/2014/main" id="{11B1C14A-B9AF-0968-87F0-4C03E9FD7F15}"/>
+                </a:ext>
+              </a:extLst>
+            </p:cNvPr>
+            <p:cNvSpPr/>
+            <p:nvPr/>
+          </p:nvSpPr>
+          <p:spPr>
+            <a:xfrm>
+              <a:off x="1467612" y="2144268"/>
+              <a:ext cx="2767584" cy="1301496"/>
+            </a:xfrm>
+            <a:prstGeom prst="rect">
+              <a:avLst/>
+            </a:prstGeom>
+            <a:solidFill>
+              <a:srgbClr val="0070C0">
+                <a:alpha val="50196"/>
+              </a:srgbClr>
+            </a:solidFill>
+            <a:ln>
+              <a:solidFill>
+                <a:srgbClr val="0070C0"/>
+              </a:solidFill>
+            </a:ln>
+          </p:spPr>
+          <p:style>
+            <a:lnRef idx="2">
+              <a:schemeClr val="accent1">
+                <a:shade val="15000"/>
+              </a:schemeClr>
+            </a:lnRef>
+            <a:fillRef idx="1">
+              <a:schemeClr val="accent1"/>
+            </a:fillRef>
+            <a:effectRef idx="0">
+              <a:schemeClr val="accent1"/>
+            </a:effectRef>
+            <a:fontRef idx="minor">
+              <a:schemeClr val="lt1"/>
+            </a:fontRef>
+          </p:style>
+          <p:txBody>
+            <a:bodyPr rtlCol="0" anchor="ctr"/>
+            <a:lstStyle/>
+            <a:p>
+              <a:pPr algn="ctr"/>
+              <a:endParaRPr lang="en-AU"/>
+            </a:p>
+          </p:txBody>
+        </p:sp>
+      </p:grpSp>
     </p:spTree>
     <p:extLst>
       <p:ext uri="{BB962C8B-B14F-4D97-AF65-F5344CB8AC3E}">
@@ -4112,7 +4496,291 @@
 </p:sld>
 </file>
 
-<file path=ppt/slides/slide4.xml><?xml version="1.0" encoding="utf-8"?>
+<file path=ppt/slides/slide5.xml><?xml version="1.0" encoding="utf-8"?>
+<p:sld xmlns:a="http://schemas.openxmlformats.org/drawingml/2006/main" xmlns:r="http://schemas.openxmlformats.org/officeDocument/2006/relationships" xmlns:p="http://schemas.openxmlformats.org/presentationml/2006/main">
+  <p:cSld>
+    <p:spTree>
+      <p:nvGrpSpPr>
+        <p:cNvPr id="1" name="">
+          <a:extLst>
+            <a:ext uri="{FF2B5EF4-FFF2-40B4-BE49-F238E27FC236}">
+              <a16:creationId xmlns:a16="http://schemas.microsoft.com/office/drawing/2014/main" id="{74440C38-450D-796D-3E73-6FB6727CE7B8}"/>
+            </a:ext>
+          </a:extLst>
+        </p:cNvPr>
+        <p:cNvGrpSpPr/>
+        <p:nvPr/>
+      </p:nvGrpSpPr>
+      <p:grpSpPr>
+        <a:xfrm>
+          <a:off x="0" y="0"/>
+          <a:ext cx="0" cy="0"/>
+          <a:chOff x="0" y="0"/>
+          <a:chExt cx="0" cy="0"/>
+        </a:xfrm>
+      </p:grpSpPr>
+      <p:grpSp>
+        <p:nvGrpSpPr>
+          <p:cNvPr id="2" name="Group 1">
+            <a:extLst>
+              <a:ext uri="{FF2B5EF4-FFF2-40B4-BE49-F238E27FC236}">
+                <a16:creationId xmlns:a16="http://schemas.microsoft.com/office/drawing/2014/main" id="{F4D4A67C-1022-46E0-85D3-B2C15D461B19}"/>
+              </a:ext>
+            </a:extLst>
+          </p:cNvPr>
+          <p:cNvGrpSpPr/>
+          <p:nvPr/>
+        </p:nvGrpSpPr>
+        <p:grpSpPr>
+          <a:xfrm>
+            <a:off x="1271016" y="403860"/>
+            <a:ext cx="2767584" cy="6149340"/>
+            <a:chOff x="1271016" y="403860"/>
+            <a:chExt cx="2767584" cy="6149340"/>
+          </a:xfrm>
+        </p:grpSpPr>
+        <p:sp>
+          <p:nvSpPr>
+            <p:cNvPr id="4" name="Rectangle 3">
+              <a:extLst>
+                <a:ext uri="{FF2B5EF4-FFF2-40B4-BE49-F238E27FC236}">
+                  <a16:creationId xmlns:a16="http://schemas.microsoft.com/office/drawing/2014/main" id="{20993F76-0BA2-5032-D304-9417CC9F5A2C}"/>
+                </a:ext>
+              </a:extLst>
+            </p:cNvPr>
+            <p:cNvSpPr/>
+            <p:nvPr/>
+          </p:nvSpPr>
+          <p:spPr>
+            <a:xfrm>
+              <a:off x="1271016" y="667512"/>
+              <a:ext cx="2767584" cy="5577840"/>
+            </a:xfrm>
+            <a:prstGeom prst="rect">
+              <a:avLst/>
+            </a:prstGeom>
+            <a:solidFill>
+              <a:srgbClr val="404040">
+                <a:alpha val="50196"/>
+              </a:srgbClr>
+            </a:solidFill>
+            <a:ln>
+              <a:solidFill>
+                <a:schemeClr val="tx1">
+                  <a:lumMod val="75000"/>
+                  <a:lumOff val="25000"/>
+                </a:schemeClr>
+              </a:solidFill>
+            </a:ln>
+          </p:spPr>
+          <p:style>
+            <a:lnRef idx="2">
+              <a:schemeClr val="accent1">
+                <a:shade val="15000"/>
+              </a:schemeClr>
+            </a:lnRef>
+            <a:fillRef idx="1">
+              <a:schemeClr val="accent1"/>
+            </a:fillRef>
+            <a:effectRef idx="0">
+              <a:schemeClr val="accent1"/>
+            </a:effectRef>
+            <a:fontRef idx="minor">
+              <a:schemeClr val="lt1"/>
+            </a:fontRef>
+          </p:style>
+          <p:txBody>
+            <a:bodyPr rtlCol="0" anchor="ctr"/>
+            <a:lstStyle/>
+            <a:p>
+              <a:pPr algn="ctr"/>
+              <a:endParaRPr lang="en-AU"/>
+            </a:p>
+          </p:txBody>
+        </p:sp>
+        <p:sp>
+          <p:nvSpPr>
+            <p:cNvPr id="5" name="Rectangle 4">
+              <a:extLst>
+                <a:ext uri="{FF2B5EF4-FFF2-40B4-BE49-F238E27FC236}">
+                  <a16:creationId xmlns:a16="http://schemas.microsoft.com/office/drawing/2014/main" id="{C74404CB-33A9-5B3E-CDBC-E9F49F57CB1B}"/>
+                </a:ext>
+              </a:extLst>
+            </p:cNvPr>
+            <p:cNvSpPr/>
+            <p:nvPr/>
+          </p:nvSpPr>
+          <p:spPr>
+            <a:xfrm>
+              <a:off x="1271016" y="403860"/>
+              <a:ext cx="1776984" cy="2188464"/>
+            </a:xfrm>
+            <a:prstGeom prst="rect">
+              <a:avLst/>
+            </a:prstGeom>
+            <a:solidFill>
+              <a:srgbClr val="FFC000">
+                <a:alpha val="50196"/>
+              </a:srgbClr>
+            </a:solidFill>
+            <a:ln>
+              <a:solidFill>
+                <a:srgbClr val="FFC000"/>
+              </a:solidFill>
+            </a:ln>
+          </p:spPr>
+          <p:style>
+            <a:lnRef idx="2">
+              <a:schemeClr val="accent1">
+                <a:shade val="15000"/>
+              </a:schemeClr>
+            </a:lnRef>
+            <a:fillRef idx="1">
+              <a:schemeClr val="accent1"/>
+            </a:fillRef>
+            <a:effectRef idx="0">
+              <a:schemeClr val="accent1"/>
+            </a:effectRef>
+            <a:fontRef idx="minor">
+              <a:schemeClr val="lt1"/>
+            </a:fontRef>
+          </p:style>
+          <p:txBody>
+            <a:bodyPr rtlCol="0" anchor="ctr"/>
+            <a:lstStyle/>
+            <a:p>
+              <a:pPr algn="ctr"/>
+              <a:endParaRPr lang="en-AU"/>
+            </a:p>
+          </p:txBody>
+        </p:sp>
+        <p:sp>
+          <p:nvSpPr>
+            <p:cNvPr id="6" name="Rectangle 5">
+              <a:extLst>
+                <a:ext uri="{FF2B5EF4-FFF2-40B4-BE49-F238E27FC236}">
+                  <a16:creationId xmlns:a16="http://schemas.microsoft.com/office/drawing/2014/main" id="{C9FF4790-7E78-274D-DCB1-2B200F7AB1FA}"/>
+                </a:ext>
+              </a:extLst>
+            </p:cNvPr>
+            <p:cNvSpPr/>
+            <p:nvPr/>
+          </p:nvSpPr>
+          <p:spPr>
+            <a:xfrm>
+              <a:off x="1271016" y="2154936"/>
+              <a:ext cx="2767584" cy="1301496"/>
+            </a:xfrm>
+            <a:prstGeom prst="rect">
+              <a:avLst/>
+            </a:prstGeom>
+            <a:solidFill>
+              <a:srgbClr val="0070C0">
+                <a:alpha val="50196"/>
+              </a:srgbClr>
+            </a:solidFill>
+            <a:ln>
+              <a:solidFill>
+                <a:srgbClr val="0070C0"/>
+              </a:solidFill>
+            </a:ln>
+          </p:spPr>
+          <p:style>
+            <a:lnRef idx="2">
+              <a:schemeClr val="accent1">
+                <a:shade val="15000"/>
+              </a:schemeClr>
+            </a:lnRef>
+            <a:fillRef idx="1">
+              <a:schemeClr val="accent1"/>
+            </a:fillRef>
+            <a:effectRef idx="0">
+              <a:schemeClr val="accent1"/>
+            </a:effectRef>
+            <a:fontRef idx="minor">
+              <a:schemeClr val="lt1"/>
+            </a:fontRef>
+          </p:style>
+          <p:txBody>
+            <a:bodyPr rtlCol="0" anchor="ctr"/>
+            <a:lstStyle/>
+            <a:p>
+              <a:pPr algn="ctr"/>
+              <a:endParaRPr lang="en-AU"/>
+            </a:p>
+          </p:txBody>
+        </p:sp>
+        <p:sp>
+          <p:nvSpPr>
+            <p:cNvPr id="7" name="Rectangle 6">
+              <a:extLst>
+                <a:ext uri="{FF2B5EF4-FFF2-40B4-BE49-F238E27FC236}">
+                  <a16:creationId xmlns:a16="http://schemas.microsoft.com/office/drawing/2014/main" id="{C81522BB-07D3-854D-F2AA-7D02A385D635}"/>
+                </a:ext>
+              </a:extLst>
+            </p:cNvPr>
+            <p:cNvSpPr/>
+            <p:nvPr/>
+          </p:nvSpPr>
+          <p:spPr>
+            <a:xfrm>
+              <a:off x="1271016" y="4751832"/>
+              <a:ext cx="2075688" cy="1801368"/>
+            </a:xfrm>
+            <a:prstGeom prst="rect">
+              <a:avLst/>
+            </a:prstGeom>
+            <a:solidFill>
+              <a:srgbClr val="00B050">
+                <a:alpha val="50196"/>
+              </a:srgbClr>
+            </a:solidFill>
+            <a:ln>
+              <a:solidFill>
+                <a:srgbClr val="00B050"/>
+              </a:solidFill>
+            </a:ln>
+          </p:spPr>
+          <p:style>
+            <a:lnRef idx="2">
+              <a:schemeClr val="accent1">
+                <a:shade val="15000"/>
+              </a:schemeClr>
+            </a:lnRef>
+            <a:fillRef idx="1">
+              <a:schemeClr val="accent1"/>
+            </a:fillRef>
+            <a:effectRef idx="0">
+              <a:schemeClr val="accent1"/>
+            </a:effectRef>
+            <a:fontRef idx="minor">
+              <a:schemeClr val="lt1"/>
+            </a:fontRef>
+          </p:style>
+          <p:txBody>
+            <a:bodyPr rtlCol="0" anchor="ctr"/>
+            <a:lstStyle/>
+            <a:p>
+              <a:pPr algn="ctr"/>
+              <a:endParaRPr lang="en-AU"/>
+            </a:p>
+          </p:txBody>
+        </p:sp>
+      </p:grpSp>
+    </p:spTree>
+    <p:extLst>
+      <p:ext uri="{BB962C8B-B14F-4D97-AF65-F5344CB8AC3E}">
+        <p14:creationId xmlns:p14="http://schemas.microsoft.com/office/powerpoint/2010/main" val="1831581998"/>
+      </p:ext>
+    </p:extLst>
+  </p:cSld>
+  <p:clrMapOvr>
+    <a:masterClrMapping/>
+  </p:clrMapOvr>
+</p:sld>
+</file>
+
+<file path=ppt/slides/slide6.xml><?xml version="1.0" encoding="utf-8"?>
 <p:sld xmlns:a="http://schemas.openxmlformats.org/drawingml/2006/main" xmlns:r="http://schemas.openxmlformats.org/officeDocument/2006/relationships" xmlns:p="http://schemas.openxmlformats.org/presentationml/2006/main">
   <p:cSld>
     <p:spTree>
@@ -4366,269 +5034,6 @@
     <p:extLst>
       <p:ext uri="{BB962C8B-B14F-4D97-AF65-F5344CB8AC3E}">
         <p14:creationId xmlns:p14="http://schemas.microsoft.com/office/powerpoint/2010/main" val="1348933402"/>
-      </p:ext>
-    </p:extLst>
-  </p:cSld>
-  <p:clrMapOvr>
-    <a:masterClrMapping/>
-  </p:clrMapOvr>
-</p:sld>
-</file>
-
-<file path=ppt/slides/slide5.xml><?xml version="1.0" encoding="utf-8"?>
-<p:sld xmlns:a="http://schemas.openxmlformats.org/drawingml/2006/main" xmlns:r="http://schemas.openxmlformats.org/officeDocument/2006/relationships" xmlns:p="http://schemas.openxmlformats.org/presentationml/2006/main">
-  <p:cSld>
-    <p:spTree>
-      <p:nvGrpSpPr>
-        <p:cNvPr id="1" name="">
-          <a:extLst>
-            <a:ext uri="{FF2B5EF4-FFF2-40B4-BE49-F238E27FC236}">
-              <a16:creationId xmlns:a16="http://schemas.microsoft.com/office/drawing/2014/main" id="{74440C38-450D-796D-3E73-6FB6727CE7B8}"/>
-            </a:ext>
-          </a:extLst>
-        </p:cNvPr>
-        <p:cNvGrpSpPr/>
-        <p:nvPr/>
-      </p:nvGrpSpPr>
-      <p:grpSpPr>
-        <a:xfrm>
-          <a:off x="0" y="0"/>
-          <a:ext cx="0" cy="0"/>
-          <a:chOff x="0" y="0"/>
-          <a:chExt cx="0" cy="0"/>
-        </a:xfrm>
-      </p:grpSpPr>
-      <p:sp>
-        <p:nvSpPr>
-          <p:cNvPr id="4" name="Rectangle 3">
-            <a:extLst>
-              <a:ext uri="{FF2B5EF4-FFF2-40B4-BE49-F238E27FC236}">
-                <a16:creationId xmlns:a16="http://schemas.microsoft.com/office/drawing/2014/main" id="{20993F76-0BA2-5032-D304-9417CC9F5A2C}"/>
-              </a:ext>
-            </a:extLst>
-          </p:cNvPr>
-          <p:cNvSpPr/>
-          <p:nvPr/>
-        </p:nvSpPr>
-        <p:spPr>
-          <a:xfrm>
-            <a:off x="1271016" y="667512"/>
-            <a:ext cx="2767584" cy="5577840"/>
-          </a:xfrm>
-          <a:prstGeom prst="rect">
-            <a:avLst/>
-          </a:prstGeom>
-          <a:solidFill>
-            <a:srgbClr val="404040">
-              <a:alpha val="50196"/>
-            </a:srgbClr>
-          </a:solidFill>
-          <a:ln>
-            <a:solidFill>
-              <a:schemeClr val="tx1">
-                <a:lumMod val="75000"/>
-                <a:lumOff val="25000"/>
-              </a:schemeClr>
-            </a:solidFill>
-          </a:ln>
-        </p:spPr>
-        <p:style>
-          <a:lnRef idx="2">
-            <a:schemeClr val="accent1">
-              <a:shade val="15000"/>
-            </a:schemeClr>
-          </a:lnRef>
-          <a:fillRef idx="1">
-            <a:schemeClr val="accent1"/>
-          </a:fillRef>
-          <a:effectRef idx="0">
-            <a:schemeClr val="accent1"/>
-          </a:effectRef>
-          <a:fontRef idx="minor">
-            <a:schemeClr val="lt1"/>
-          </a:fontRef>
-        </p:style>
-        <p:txBody>
-          <a:bodyPr rtlCol="0" anchor="ctr"/>
-          <a:lstStyle/>
-          <a:p>
-            <a:pPr algn="ctr"/>
-            <a:endParaRPr lang="en-AU"/>
-          </a:p>
-        </p:txBody>
-      </p:sp>
-      <p:sp>
-        <p:nvSpPr>
-          <p:cNvPr id="5" name="Rectangle 4">
-            <a:extLst>
-              <a:ext uri="{FF2B5EF4-FFF2-40B4-BE49-F238E27FC236}">
-                <a16:creationId xmlns:a16="http://schemas.microsoft.com/office/drawing/2014/main" id="{C74404CB-33A9-5B3E-CDBC-E9F49F57CB1B}"/>
-              </a:ext>
-            </a:extLst>
-          </p:cNvPr>
-          <p:cNvSpPr/>
-          <p:nvPr/>
-        </p:nvSpPr>
-        <p:spPr>
-          <a:xfrm>
-            <a:off x="1271016" y="403860"/>
-            <a:ext cx="1776984" cy="2188464"/>
-          </a:xfrm>
-          <a:prstGeom prst="rect">
-            <a:avLst/>
-          </a:prstGeom>
-          <a:solidFill>
-            <a:srgbClr val="FFC000">
-              <a:alpha val="50196"/>
-            </a:srgbClr>
-          </a:solidFill>
-          <a:ln>
-            <a:solidFill>
-              <a:srgbClr val="FFC000"/>
-            </a:solidFill>
-          </a:ln>
-        </p:spPr>
-        <p:style>
-          <a:lnRef idx="2">
-            <a:schemeClr val="accent1">
-              <a:shade val="15000"/>
-            </a:schemeClr>
-          </a:lnRef>
-          <a:fillRef idx="1">
-            <a:schemeClr val="accent1"/>
-          </a:fillRef>
-          <a:effectRef idx="0">
-            <a:schemeClr val="accent1"/>
-          </a:effectRef>
-          <a:fontRef idx="minor">
-            <a:schemeClr val="lt1"/>
-          </a:fontRef>
-        </p:style>
-        <p:txBody>
-          <a:bodyPr rtlCol="0" anchor="ctr"/>
-          <a:lstStyle/>
-          <a:p>
-            <a:pPr algn="ctr"/>
-            <a:endParaRPr lang="en-AU"/>
-          </a:p>
-        </p:txBody>
-      </p:sp>
-      <p:sp>
-        <p:nvSpPr>
-          <p:cNvPr id="6" name="Rectangle 5">
-            <a:extLst>
-              <a:ext uri="{FF2B5EF4-FFF2-40B4-BE49-F238E27FC236}">
-                <a16:creationId xmlns:a16="http://schemas.microsoft.com/office/drawing/2014/main" id="{C9FF4790-7E78-274D-DCB1-2B200F7AB1FA}"/>
-              </a:ext>
-            </a:extLst>
-          </p:cNvPr>
-          <p:cNvSpPr/>
-          <p:nvPr/>
-        </p:nvSpPr>
-        <p:spPr>
-          <a:xfrm>
-            <a:off x="1271016" y="2154936"/>
-            <a:ext cx="2767584" cy="1301496"/>
-          </a:xfrm>
-          <a:prstGeom prst="rect">
-            <a:avLst/>
-          </a:prstGeom>
-          <a:solidFill>
-            <a:srgbClr val="0070C0">
-              <a:alpha val="50196"/>
-            </a:srgbClr>
-          </a:solidFill>
-          <a:ln>
-            <a:solidFill>
-              <a:srgbClr val="0070C0"/>
-            </a:solidFill>
-          </a:ln>
-        </p:spPr>
-        <p:style>
-          <a:lnRef idx="2">
-            <a:schemeClr val="accent1">
-              <a:shade val="15000"/>
-            </a:schemeClr>
-          </a:lnRef>
-          <a:fillRef idx="1">
-            <a:schemeClr val="accent1"/>
-          </a:fillRef>
-          <a:effectRef idx="0">
-            <a:schemeClr val="accent1"/>
-          </a:effectRef>
-          <a:fontRef idx="minor">
-            <a:schemeClr val="lt1"/>
-          </a:fontRef>
-        </p:style>
-        <p:txBody>
-          <a:bodyPr rtlCol="0" anchor="ctr"/>
-          <a:lstStyle/>
-          <a:p>
-            <a:pPr algn="ctr"/>
-            <a:endParaRPr lang="en-AU"/>
-          </a:p>
-        </p:txBody>
-      </p:sp>
-      <p:sp>
-        <p:nvSpPr>
-          <p:cNvPr id="7" name="Rectangle 6">
-            <a:extLst>
-              <a:ext uri="{FF2B5EF4-FFF2-40B4-BE49-F238E27FC236}">
-                <a16:creationId xmlns:a16="http://schemas.microsoft.com/office/drawing/2014/main" id="{C81522BB-07D3-854D-F2AA-7D02A385D635}"/>
-              </a:ext>
-            </a:extLst>
-          </p:cNvPr>
-          <p:cNvSpPr/>
-          <p:nvPr/>
-        </p:nvSpPr>
-        <p:spPr>
-          <a:xfrm>
-            <a:off x="1271016" y="4751832"/>
-            <a:ext cx="2075688" cy="1801368"/>
-          </a:xfrm>
-          <a:prstGeom prst="rect">
-            <a:avLst/>
-          </a:prstGeom>
-          <a:solidFill>
-            <a:srgbClr val="00B050">
-              <a:alpha val="50196"/>
-            </a:srgbClr>
-          </a:solidFill>
-          <a:ln>
-            <a:solidFill>
-              <a:srgbClr val="00B050"/>
-            </a:solidFill>
-          </a:ln>
-        </p:spPr>
-        <p:style>
-          <a:lnRef idx="2">
-            <a:schemeClr val="accent1">
-              <a:shade val="15000"/>
-            </a:schemeClr>
-          </a:lnRef>
-          <a:fillRef idx="1">
-            <a:schemeClr val="accent1"/>
-          </a:fillRef>
-          <a:effectRef idx="0">
-            <a:schemeClr val="accent1"/>
-          </a:effectRef>
-          <a:fontRef idx="minor">
-            <a:schemeClr val="lt1"/>
-          </a:fontRef>
-        </p:style>
-        <p:txBody>
-          <a:bodyPr rtlCol="0" anchor="ctr"/>
-          <a:lstStyle/>
-          <a:p>
-            <a:pPr algn="ctr"/>
-            <a:endParaRPr lang="en-AU"/>
-          </a:p>
-        </p:txBody>
-      </p:sp>
-    </p:spTree>
-    <p:extLst>
-      <p:ext uri="{BB962C8B-B14F-4D97-AF65-F5344CB8AC3E}">
-        <p14:creationId xmlns:p14="http://schemas.microsoft.com/office/powerpoint/2010/main" val="1831581998"/>
       </p:ext>
     </p:extLst>
   </p:cSld>

--- a/reference_images.pptx
+++ b/reference_images.pptx
@@ -4613,7 +4613,7 @@
           <p:spPr>
             <a:xfrm>
               <a:off x="1271016" y="403860"/>
-              <a:ext cx="1776984" cy="2188464"/>
+              <a:ext cx="2767584" cy="2188464"/>
             </a:xfrm>
             <a:prstGeom prst="rect">
               <a:avLst/>
@@ -4725,7 +4725,7 @@
           <p:spPr>
             <a:xfrm>
               <a:off x="1271016" y="4751832"/>
-              <a:ext cx="2075688" cy="1801368"/>
+              <a:ext cx="2767584" cy="1801368"/>
             </a:xfrm>
             <a:prstGeom prst="rect">
               <a:avLst/>
